--- a/figures/src_files/NTM_Update_3_12_18.pptx
+++ b/figures/src_files/NTM_Update_3_12_18.pptx
@@ -15,11 +15,12 @@
     <p:sldId id="263" r:id="rId9"/>
     <p:sldId id="266" r:id="rId10"/>
     <p:sldId id="267" r:id="rId11"/>
-    <p:sldId id="264" r:id="rId12"/>
-    <p:sldId id="265" r:id="rId13"/>
+    <p:sldId id="269" r:id="rId12"/>
+    <p:sldId id="264" r:id="rId13"/>
+    <p:sldId id="265" r:id="rId14"/>
   </p:sldIdLst>
   <p:sldSz cx="12192000" cy="6858000"/>
-  <p:notesSz cx="6858000" cy="9144000"/>
+  <p:notesSz cx="7315200" cy="9601200"/>
   <p:defaultTextStyle>
     <a:defPPr>
       <a:defRPr lang="en-US"/>
@@ -5103,7 +5104,7 @@
             <a:graphicData uri="http://schemas.openxmlformats.org/presentationml/2006/ole">
               <mc:AlternateContent xmlns:mc="http://schemas.openxmlformats.org/markup-compatibility/2006">
                 <mc:Choice xmlns:v="urn:schemas-microsoft-com:vml" Requires="v">
-                  <p:oleObj spid="_x0000_s1104" name="Equation" r:id="rId3" imgW="2463480" imgH="838080" progId="Equation.DSMT4">
+                  <p:oleObj spid="_x0000_s1149" name="Equation" r:id="rId3" imgW="2463480" imgH="838080" progId="Equation.DSMT4">
                     <p:embed/>
                   </p:oleObj>
                 </mc:Choice>
@@ -5169,7 +5170,7 @@
           <a:graphicData uri="http://schemas.openxmlformats.org/presentationml/2006/ole">
             <mc:AlternateContent xmlns:mc="http://schemas.openxmlformats.org/markup-compatibility/2006">
               <mc:Choice xmlns:v="urn:schemas-microsoft-com:vml" Requires="v">
-                <p:oleObj spid="_x0000_s1105" name="Equation" r:id="rId5" imgW="914400" imgH="306720" progId="Equation.DSMT4">
+                <p:oleObj spid="_x0000_s1150" name="Equation" r:id="rId5" imgW="914400" imgH="306720" progId="Equation.DSMT4">
                   <p:embed/>
                 </p:oleObj>
               </mc:Choice>
@@ -5327,7 +5328,7 @@
             <a:graphicData uri="http://schemas.openxmlformats.org/presentationml/2006/ole">
               <mc:AlternateContent xmlns:mc="http://schemas.openxmlformats.org/markup-compatibility/2006">
                 <mc:Choice xmlns:v="urn:schemas-microsoft-com:vml" Requires="v">
-                  <p:oleObj spid="_x0000_s1106" name="Equation" r:id="rId7" imgW="2958840" imgH="787320" progId="Equation.DSMT4">
+                  <p:oleObj spid="_x0000_s1151" name="Equation" r:id="rId7" imgW="2958840" imgH="787320" progId="Equation.DSMT4">
                     <p:embed/>
                   </p:oleObj>
                 </mc:Choice>
@@ -6936,6 +6937,74 @@
         </p:nvSpPr>
         <p:spPr>
           <a:xfrm>
+            <a:off x="812800" y="1082"/>
+            <a:ext cx="10575636" cy="1057417"/>
+          </a:xfrm>
+        </p:spPr>
+        <p:txBody>
+          <a:bodyPr anchor="ctr">
+            <a:normAutofit fontScale="90000"/>
+          </a:bodyPr>
+          <a:lstStyle/>
+          <a:p>
+            <a:r>
+              <a:rPr lang="en-US" sz="4800" dirty="0">
+                <a:latin typeface="Times New Roman" panose="02020603050405020304" pitchFamily="18" charset="0"/>
+                <a:cs typeface="Times New Roman" panose="02020603050405020304" pitchFamily="18" charset="0"/>
+              </a:rPr>
+              <a:t>How do we evaluate SVM model accuracy?</a:t>
+            </a:r>
+          </a:p>
+        </p:txBody>
+      </p:sp>
+    </p:spTree>
+    <p:extLst>
+      <p:ext uri="{BB962C8B-B14F-4D97-AF65-F5344CB8AC3E}">
+        <p14:creationId xmlns:p14="http://schemas.microsoft.com/office/powerpoint/2010/main" val="900169647"/>
+      </p:ext>
+    </p:extLst>
+  </p:cSld>
+  <p:clrMapOvr>
+    <a:masterClrMapping/>
+  </p:clrMapOvr>
+</p:sld>
+</file>
+
+<file path=ppt/slides/slide12.xml><?xml version="1.0" encoding="utf-8"?>
+<p:sld xmlns:a="http://schemas.openxmlformats.org/drawingml/2006/main" xmlns:r="http://schemas.openxmlformats.org/officeDocument/2006/relationships" xmlns:p="http://schemas.openxmlformats.org/presentationml/2006/main">
+  <p:cSld>
+    <p:spTree>
+      <p:nvGrpSpPr>
+        <p:cNvPr id="1" name=""/>
+        <p:cNvGrpSpPr/>
+        <p:nvPr/>
+      </p:nvGrpSpPr>
+      <p:grpSpPr>
+        <a:xfrm>
+          <a:off x="0" y="0"/>
+          <a:ext cx="0" cy="0"/>
+          <a:chOff x="0" y="0"/>
+          <a:chExt cx="0" cy="0"/>
+        </a:xfrm>
+      </p:grpSpPr>
+      <p:sp>
+        <p:nvSpPr>
+          <p:cNvPr id="2" name="Title 1">
+            <a:extLst>
+              <a:ext uri="{FF2B5EF4-FFF2-40B4-BE49-F238E27FC236}">
+                <a16:creationId xmlns:a16="http://schemas.microsoft.com/office/drawing/2014/main" id="{E567236E-3CEE-4A11-8184-1A392CC5EA9F}"/>
+              </a:ext>
+            </a:extLst>
+          </p:cNvPr>
+          <p:cNvSpPr>
+            <a:spLocks noGrp="1"/>
+          </p:cNvSpPr>
+          <p:nvPr>
+            <p:ph type="ctrTitle"/>
+          </p:nvPr>
+        </p:nvSpPr>
+        <p:spPr>
+          <a:xfrm>
             <a:off x="192505" y="307629"/>
             <a:ext cx="11790948" cy="1057417"/>
           </a:xfrm>
@@ -6951,66 +7020,21 @@
                 <a:latin typeface="Times New Roman" panose="02020603050405020304" pitchFamily="18" charset="0"/>
                 <a:cs typeface="Times New Roman" panose="02020603050405020304" pitchFamily="18" charset="0"/>
               </a:rPr>
-              <a:t>How well do SVM models classify sputum samples from subjects with NTM disease?</a:t>
-            </a:r>
-          </a:p>
-        </p:txBody>
-      </p:sp>
-      <p:sp>
-        <p:nvSpPr>
-          <p:cNvPr id="5" name="Rectangle 4">
-            <a:extLst>
-              <a:ext uri="{FF2B5EF4-FFF2-40B4-BE49-F238E27FC236}">
-                <a16:creationId xmlns:a16="http://schemas.microsoft.com/office/drawing/2014/main" id="{FA1A1152-59D9-400C-A858-615969A23ADF}"/>
-              </a:ext>
-            </a:extLst>
-          </p:cNvPr>
-          <p:cNvSpPr/>
-          <p:nvPr/>
-        </p:nvSpPr>
-        <p:spPr>
-          <a:xfrm>
-            <a:off x="1998891" y="5940740"/>
-            <a:ext cx="8194217" cy="646331"/>
-          </a:xfrm>
-          <a:prstGeom prst="rect">
-            <a:avLst/>
-          </a:prstGeom>
-        </p:spPr>
-        <p:txBody>
-          <a:bodyPr wrap="square">
-            <a:spAutoFit/>
-          </a:bodyPr>
-          <a:lstStyle/>
-          <a:p>
-            <a:pPr algn="ctr"/>
-            <a:r>
-              <a:rPr lang="en-US" b="1" dirty="0">
+              <a:t>How </a:t>
+            </a:r>
+            <a:r>
+              <a:rPr lang="en-US" sz="4800" i="1" dirty="0">
                 <a:latin typeface="Times New Roman" panose="02020603050405020304" pitchFamily="18" charset="0"/>
                 <a:cs typeface="Times New Roman" panose="02020603050405020304" pitchFamily="18" charset="0"/>
               </a:rPr>
-              <a:t>CW-SVM </a:t>
-            </a:r>
-            <a:r>
-              <a:rPr lang="en-US" dirty="0">
+              <a:t>accurately</a:t>
+            </a:r>
+            <a:r>
+              <a:rPr lang="en-US" sz="4800" dirty="0">
                 <a:latin typeface="Times New Roman" panose="02020603050405020304" pitchFamily="18" charset="0"/>
                 <a:cs typeface="Times New Roman" panose="02020603050405020304" pitchFamily="18" charset="0"/>
               </a:rPr>
-              <a:t>= </a:t>
-            </a:r>
-            <a:r>
-              <a:rPr lang="en-US" i="1" dirty="0">
-                <a:latin typeface="Times New Roman" panose="02020603050405020304" pitchFamily="18" charset="0"/>
-                <a:cs typeface="Times New Roman" panose="02020603050405020304" pitchFamily="18" charset="0"/>
-              </a:rPr>
-              <a:t>Class-weighted</a:t>
-            </a:r>
-            <a:r>
-              <a:rPr lang="en-US" dirty="0">
-                <a:latin typeface="Times New Roman" panose="02020603050405020304" pitchFamily="18" charset="0"/>
-                <a:cs typeface="Times New Roman" panose="02020603050405020304" pitchFamily="18" charset="0"/>
-              </a:rPr>
-              <a:t> support vector machine (improves performance with imbalanced class sizes)</a:t>
+              <a:t> do SVM models classify sputum samples from subjects with NTM disease?</a:t>
             </a:r>
           </a:p>
         </p:txBody>
@@ -8168,8 +8192,8 @@
         </p:nvSpPr>
         <p:spPr>
           <a:xfrm>
-            <a:off x="3267563" y="3950847"/>
-            <a:ext cx="5656870" cy="584775"/>
+            <a:off x="3951599" y="3950847"/>
+            <a:ext cx="4288803" cy="461665"/>
           </a:xfrm>
           <a:prstGeom prst="rect">
             <a:avLst/>
@@ -8182,13 +8206,13 @@
           <a:lstStyle/>
           <a:p>
             <a:r>
-              <a:rPr lang="en-US" sz="3200" b="1" dirty="0">
+              <a:rPr lang="en-US" sz="2400" b="1" dirty="0">
                 <a:latin typeface="Times New Roman" panose="02020603050405020304" pitchFamily="18" charset="0"/>
                 <a:cs typeface="Times New Roman" panose="02020603050405020304" pitchFamily="18" charset="0"/>
               </a:rPr>
               <a:t>Cross-Validation Accuracy (%)</a:t>
             </a:r>
-            <a:endParaRPr lang="en-US" sz="3200" b="1" dirty="0"/>
+            <a:endParaRPr lang="en-US" sz="2400" b="1" dirty="0"/>
           </a:p>
         </p:txBody>
       </p:sp>
@@ -8205,7 +8229,7 @@
 </p:sld>
 </file>
 
-<file path=ppt/slides/slide12.xml><?xml version="1.0" encoding="utf-8"?>
+<file path=ppt/slides/slide13.xml><?xml version="1.0" encoding="utf-8"?>
 <p:sld xmlns:a="http://schemas.openxmlformats.org/drawingml/2006/main" xmlns:r="http://schemas.openxmlformats.org/officeDocument/2006/relationships" xmlns:p="http://schemas.openxmlformats.org/presentationml/2006/main">
   <p:cSld>
     <p:spTree>
@@ -8255,7 +8279,21 @@
                 <a:latin typeface="Times New Roman" panose="02020603050405020304" pitchFamily="18" charset="0"/>
                 <a:cs typeface="Times New Roman" panose="02020603050405020304" pitchFamily="18" charset="0"/>
               </a:rPr>
-              <a:t>Which microbiome features distinguish the sputum samples of subjects with NTM disease?</a:t>
+              <a:t>Which microbiome features </a:t>
+            </a:r>
+            <a:r>
+              <a:rPr lang="en-US" sz="4800" i="1" dirty="0">
+                <a:latin typeface="Times New Roman" panose="02020603050405020304" pitchFamily="18" charset="0"/>
+                <a:cs typeface="Times New Roman" panose="02020603050405020304" pitchFamily="18" charset="0"/>
+              </a:rPr>
+              <a:t>distinguish</a:t>
+            </a:r>
+            <a:r>
+              <a:rPr lang="en-US" sz="4800" dirty="0">
+                <a:latin typeface="Times New Roman" panose="02020603050405020304" pitchFamily="18" charset="0"/>
+                <a:cs typeface="Times New Roman" panose="02020603050405020304" pitchFamily="18" charset="0"/>
+              </a:rPr>
+              <a:t> sputum from subjects with NTM disease?</a:t>
             </a:r>
           </a:p>
         </p:txBody>
@@ -12146,7 +12184,7 @@
           <p:nvPr>
             <p:extLst>
               <p:ext uri="{D42A27DB-BD31-4B8C-83A1-F6EECF244321}">
-                <p14:modId xmlns:p14="http://schemas.microsoft.com/office/powerpoint/2010/main" val="3316944661"/>
+                <p14:modId xmlns:p14="http://schemas.microsoft.com/office/powerpoint/2010/main" val="3740142117"/>
               </p:ext>
             </p:extLst>
           </p:nvPr>
@@ -12619,7 +12657,7 @@
                           <a:latin typeface="Times New Roman" panose="02020603050405020304" pitchFamily="18" charset="0"/>
                           <a:cs typeface="Times New Roman" panose="02020603050405020304" pitchFamily="18" charset="0"/>
                         </a:rPr>
-                        <a:t>Which microbiome features distinguish samples from subjects with/without NTM disease?</a:t>
+                        <a:t>Which microbiome features distinguish samples (from subjects) with/without NTM disease?</a:t>
                       </a:r>
                     </a:p>
                   </a:txBody>
@@ -12858,7 +12896,27 @@
                           <a:latin typeface="Times New Roman" panose="02020603050405020304" pitchFamily="18" charset="0"/>
                           <a:cs typeface="Times New Roman" panose="02020603050405020304" pitchFamily="18" charset="0"/>
                         </a:rPr>
-                        <a:t>Which microbiome features distinguish samples from subjects with/without MAC/Mab. (+) samples?</a:t>
+                        <a:t>Which microbiome features distinguish </a:t>
+                      </a:r>
+                      <a:r>
+                        <a:rPr lang="en-US" sz="1800">
+                          <a:solidFill>
+                            <a:schemeClr val="tx1"/>
+                          </a:solidFill>
+                          <a:latin typeface="Times New Roman" panose="02020603050405020304" pitchFamily="18" charset="0"/>
+                          <a:cs typeface="Times New Roman" panose="02020603050405020304" pitchFamily="18" charset="0"/>
+                        </a:rPr>
+                        <a:t>samples (from subjects) </a:t>
+                      </a:r>
+                      <a:r>
+                        <a:rPr lang="en-US" sz="1800" dirty="0">
+                          <a:solidFill>
+                            <a:schemeClr val="tx1"/>
+                          </a:solidFill>
+                          <a:latin typeface="Times New Roman" panose="02020603050405020304" pitchFamily="18" charset="0"/>
+                          <a:cs typeface="Times New Roman" panose="02020603050405020304" pitchFamily="18" charset="0"/>
+                        </a:rPr>
+                        <a:t>with/without MAC/Mab. (+) samples?</a:t>
                       </a:r>
                     </a:p>
                   </a:txBody>
@@ -13531,13 +13589,13 @@
         </p:nvSpPr>
         <p:spPr>
           <a:xfrm>
-            <a:off x="812800" y="1082"/>
+            <a:off x="812800" y="139622"/>
             <a:ext cx="10575636" cy="1057417"/>
           </a:xfrm>
         </p:spPr>
         <p:txBody>
           <a:bodyPr anchor="ctr">
-            <a:normAutofit/>
+            <a:normAutofit fontScale="90000"/>
           </a:bodyPr>
           <a:lstStyle/>
           <a:p>
@@ -13546,7 +13604,7 @@
                 <a:latin typeface="Times New Roman" panose="02020603050405020304" pitchFamily="18" charset="0"/>
                 <a:cs typeface="Times New Roman" panose="02020603050405020304" pitchFamily="18" charset="0"/>
               </a:rPr>
-              <a:t>How do we interpret our SVM results?</a:t>
+              <a:t>How do we interpret SVM output and select features?</a:t>
             </a:r>
           </a:p>
         </p:txBody>
@@ -15536,7 +15594,7 @@
                 <a:latin typeface="Times New Roman" panose="02020603050405020304" pitchFamily="18" charset="0"/>
                 <a:cs typeface="Times New Roman" panose="02020603050405020304" pitchFamily="18" charset="0"/>
               </a:rPr>
-              <a:t>Strict/facultative anaerobe:</a:t>
+              <a:t>Strict/facultative anaerobes:</a:t>
             </a:r>
             <a:r>
               <a:rPr lang="en-US" sz="2000" dirty="0">
@@ -15956,12 +16014,10 @@
           </a:bodyPr>
           <a:lstStyle/>
           <a:p>
-            <a:pPr marL="342900" indent="-342900">
+            <a:pPr>
               <a:spcAft>
                 <a:spcPts val="600"/>
               </a:spcAft>
-              <a:buFont typeface="Arial" panose="020B0604020202020204" pitchFamily="34" charset="0"/>
-              <a:buChar char="•"/>
             </a:pPr>
             <a:r>
               <a:rPr lang="en-US" sz="2400" b="1" dirty="0">
@@ -16088,12 +16144,10 @@
             </a:r>
           </a:p>
           <a:p>
-            <a:pPr marL="342900" indent="-342900">
+            <a:pPr>
               <a:spcAft>
                 <a:spcPts val="600"/>
               </a:spcAft>
-              <a:buFont typeface="Arial" panose="020B0604020202020204" pitchFamily="34" charset="0"/>
-              <a:buChar char="•"/>
             </a:pPr>
             <a:r>
               <a:rPr lang="en-US" sz="2400" b="1" dirty="0">
